--- a/assets/presentation/ChatAVR.pptx
+++ b/assets/presentation/ChatAVR.pptx
@@ -3070,53 +3070,6 @@
           </a:prstGeom>
         </p:spPr>
       </p:pic>
-      <p:sp>
-        <p:nvSpPr>
-          <p:cNvPr id="11" name="TextBox 10">
-            <a:extLst>
-              <a:ext uri="{FF2B5EF4-FFF2-40B4-BE49-F238E27FC236}">
-                <a16:creationId xmlns:a16="http://schemas.microsoft.com/office/drawing/2014/main" id="{EC9819B5-13D9-FACF-921B-75DA2ADAF014}"/>
-              </a:ext>
-            </a:extLst>
-          </p:cNvPr>
-          <p:cNvSpPr txBox="1"/>
-          <p:nvPr/>
-        </p:nvSpPr>
-        <p:spPr>
-          <a:xfrm>
-            <a:off x="754161" y="5759639"/>
-            <a:ext cx="11127533" cy="923330"/>
-          </a:xfrm>
-          <a:prstGeom prst="rect">
-            <a:avLst/>
-          </a:prstGeom>
-          <a:noFill/>
-        </p:spPr>
-        <p:txBody>
-          <a:bodyPr wrap="none" rtlCol="0">
-            <a:spAutoFit/>
-          </a:bodyPr>
-          <a:lstStyle/>
-          <a:p>
-            <a:r>
-              <a:rPr lang="en-US" dirty="0"/>
-              <a:t>BEAR DEATH FACT: </a:t>
-            </a:r>
-          </a:p>
-          <a:p>
-            <a:r>
-              <a:rPr lang="en-US" dirty="0"/>
-              <a:t>Timothy Treadwell, a bear enthusiast, and his girlfriend were tragically killed by a grizzly bear in  Alaska's Katmai</a:t>
-            </a:r>
-          </a:p>
-          <a:p>
-            <a:r>
-              <a:rPr lang="en-US" dirty="0"/>
-              <a:t>National Park in 2003. </a:t>
-            </a:r>
-          </a:p>
-        </p:txBody>
-      </p:sp>
     </p:spTree>
     <p:extLst>
       <p:ext uri="{BB962C8B-B14F-4D97-AF65-F5344CB8AC3E}">
@@ -3268,8 +3221,8 @@
         </p:nvSpPr>
         <p:spPr>
           <a:xfrm>
-            <a:off x="201505" y="5136688"/>
-            <a:ext cx="7992509" cy="1015663"/>
+            <a:off x="105252" y="6241334"/>
+            <a:ext cx="6758581" cy="861774"/>
           </a:xfrm>
           <a:prstGeom prst="rect">
             <a:avLst/>
@@ -3287,12 +3240,12 @@
               <a:buAutoNum type="arabicPeriod"/>
             </a:pPr>
             <a:r>
-              <a:rPr lang="en-US" sz="1200" dirty="0">
+              <a:rPr lang="en-US" sz="1000" dirty="0">
                 <a:hlinkClick r:id="rId2"/>
               </a:rPr>
               <a:t>https://lewisellis.com/industries/life-insurance-annuities/the-characteristics-of-people-who-buy-life-insurance/</a:t>
             </a:r>
-            <a:endParaRPr lang="en-US" sz="1200" dirty="0"/>
+            <a:endParaRPr lang="en-US" sz="1000" dirty="0"/>
           </a:p>
           <a:p>
             <a:pPr marL="342900" indent="-342900">
@@ -3300,12 +3253,12 @@
               <a:buAutoNum type="arabicPeriod"/>
             </a:pPr>
             <a:r>
-              <a:rPr lang="en-US" sz="1200" dirty="0">
+              <a:rPr lang="en-US" sz="1000" dirty="0">
                 <a:hlinkClick r:id="rId3"/>
               </a:rPr>
               <a:t>https://en.comparis.ch/lebensversicherung/default</a:t>
             </a:r>
-            <a:endParaRPr lang="en-US" sz="1200" dirty="0"/>
+            <a:endParaRPr lang="en-US" sz="1000" dirty="0"/>
           </a:p>
           <a:p>
             <a:pPr marL="342900" indent="-342900">
@@ -3313,24 +3266,24 @@
               <a:buAutoNum type="arabicPeriod"/>
             </a:pPr>
             <a:r>
-              <a:rPr lang="en-US" sz="1200" dirty="0">
+              <a:rPr lang="en-US" sz="1000" dirty="0">
                 <a:hlinkClick r:id="rId4"/>
               </a:rPr>
               <a:t>https://www.apa.org/news/podcasts/speaking-of-psychology/attention-spans</a:t>
             </a:r>
-            <a:endParaRPr lang="en-US" sz="1200" dirty="0"/>
+            <a:endParaRPr lang="en-US" sz="1000" dirty="0"/>
           </a:p>
           <a:p>
             <a:pPr marL="342900" indent="-342900">
               <a:buAutoNum type="arabicPeriod"/>
             </a:pPr>
-            <a:endParaRPr lang="en-US" sz="1200" dirty="0"/>
+            <a:endParaRPr lang="en-US" sz="1000" dirty="0"/>
           </a:p>
           <a:p>
             <a:pPr marL="342900" indent="-342900">
               <a:buAutoNum type="arabicPeriod"/>
             </a:pPr>
-            <a:endParaRPr lang="en-US" sz="1200" dirty="0"/>
+            <a:endParaRPr lang="en-US" sz="1000" dirty="0"/>
           </a:p>
         </p:txBody>
       </p:sp>
@@ -3378,8 +3331,8 @@
         </p:nvSpPr>
         <p:spPr>
           <a:xfrm>
-            <a:off x="754161" y="5759639"/>
-            <a:ext cx="10232160" cy="923330"/>
+            <a:off x="105252" y="5538856"/>
+            <a:ext cx="10431958" cy="646331"/>
           </a:xfrm>
           <a:prstGeom prst="rect">
             <a:avLst/>
@@ -3393,28 +3346,14 @@
           <a:lstStyle/>
           <a:p>
             <a:r>
+              <a:rPr lang="en-US" b="1" dirty="0"/>
+              <a:t>BEAR DEATH FACT: </a:t>
+            </a:r>
+          </a:p>
+          <a:p>
+            <a:r>
               <a:rPr lang="en-US" dirty="0"/>
-              <a:t>BEAR DEATH FACT: </a:t>
-            </a:r>
-          </a:p>
-          <a:p>
-            <a:r>
-              <a:rPr lang="en-US" dirty="0"/>
-              <a:t>In 2023, </a:t>
-            </a:r>
-            <a:r>
-              <a:rPr lang="en-US" b="1" dirty="0"/>
-              <a:t>Patrice Miller</a:t>
-            </a:r>
-            <a:r>
-              <a:rPr lang="en-US" dirty="0"/>
-              <a:t>, a 71-year-old woman from California, became the state's first recorded fatality </a:t>
-            </a:r>
-          </a:p>
-          <a:p>
-            <a:r>
-              <a:rPr lang="en-US" dirty="0"/>
-              <a:t>from a black bear attack.</a:t>
+              <a:t>A 71-year-old woman from California, became the state's first recorded fatality  from a black bear attack.</a:t>
             </a:r>
           </a:p>
         </p:txBody>
@@ -3577,8 +3516,8 @@
         </p:nvSpPr>
         <p:spPr>
           <a:xfrm>
-            <a:off x="248332" y="5269832"/>
-            <a:ext cx="5213863" cy="646331"/>
+            <a:off x="128017" y="6376732"/>
+            <a:ext cx="3175869" cy="553998"/>
           </a:xfrm>
           <a:prstGeom prst="rect">
             <a:avLst/>
@@ -3595,18 +3534,27 @@
               <a:buAutoNum type="arabicPeriod"/>
             </a:pPr>
             <a:r>
-              <a:rPr lang="en-US" dirty="0">
+              <a:rPr lang="en-US" sz="1000" dirty="0">
                 <a:hlinkClick r:id="rId2"/>
               </a:rPr>
               <a:t>https://ads.tiktok.com/help/article/ad-targeting</a:t>
             </a:r>
-            <a:endParaRPr lang="en-US" dirty="0"/>
+            <a:endParaRPr lang="en-US" sz="1000" dirty="0"/>
           </a:p>
           <a:p>
             <a:pPr marL="342900" indent="-342900">
               <a:buAutoNum type="arabicPeriod"/>
             </a:pPr>
-            <a:endParaRPr lang="en-US" dirty="0"/>
+            <a:r>
+              <a:rPr lang="en-US" sz="1000" dirty="0"/>
+              <a:t>Image generated by DALL-E </a:t>
+            </a:r>
+          </a:p>
+          <a:p>
+            <a:pPr marL="342900" indent="-342900">
+              <a:buAutoNum type="arabicPeriod"/>
+            </a:pPr>
+            <a:endParaRPr lang="en-US" sz="1000" dirty="0"/>
           </a:p>
         </p:txBody>
       </p:sp>
@@ -3624,8 +3572,8 @@
         </p:nvSpPr>
         <p:spPr>
           <a:xfrm>
-            <a:off x="754161" y="5759639"/>
-            <a:ext cx="10110653" cy="646331"/>
+            <a:off x="128017" y="5722236"/>
+            <a:ext cx="9244262" cy="646331"/>
           </a:xfrm>
           <a:prstGeom prst="rect">
             <a:avLst/>
@@ -3639,22 +3587,14 @@
           <a:lstStyle/>
           <a:p>
             <a:r>
+              <a:rPr lang="en-US" b="1" dirty="0"/>
+              <a:t>BEAR DEATH FACT: </a:t>
+            </a:r>
+          </a:p>
+          <a:p>
+            <a:r>
               <a:rPr lang="en-US" dirty="0"/>
-              <a:t>BEAR DEATH FACT: </a:t>
-            </a:r>
-          </a:p>
-          <a:p>
-            <a:r>
-              <a:rPr lang="en-US" dirty="0"/>
-              <a:t>In 2024, a </a:t>
-            </a:r>
-            <a:r>
-              <a:rPr lang="en-US" b="1" dirty="0"/>
-              <a:t>teenager</a:t>
-            </a:r>
-            <a:r>
-              <a:rPr lang="en-US" dirty="0"/>
-              <a:t> in Romania was mauled to death by a bear while hiking in the </a:t>
+              <a:t>A teenager in Romania was mauled to death by a bear while hiking in the </a:t>
             </a:r>
             <a:r>
               <a:rPr lang="en-US" dirty="0" err="1"/>
@@ -3887,8 +3827,8 @@
         </p:nvSpPr>
         <p:spPr>
           <a:xfrm>
-            <a:off x="754161" y="5759639"/>
-            <a:ext cx="10747879" cy="923330"/>
+            <a:off x="104456" y="5715298"/>
+            <a:ext cx="9914317" cy="923330"/>
           </a:xfrm>
           <a:prstGeom prst="rect">
             <a:avLst/>
@@ -3902,22 +3842,14 @@
           <a:lstStyle/>
           <a:p>
             <a:r>
+              <a:rPr lang="en-US" b="1" dirty="0"/>
+              <a:t>BEAR DEATH FACT: </a:t>
+            </a:r>
+          </a:p>
+          <a:p>
+            <a:r>
               <a:rPr lang="en-US" dirty="0"/>
-              <a:t>BEAR DEATH FACT: </a:t>
-            </a:r>
-          </a:p>
-          <a:p>
-            <a:r>
-              <a:rPr lang="en-US" dirty="0"/>
-              <a:t>In 2024, </a:t>
-            </a:r>
-            <a:r>
-              <a:rPr lang="en-US" b="1" dirty="0"/>
-              <a:t>ninja bears</a:t>
-            </a:r>
-            <a:r>
-              <a:rPr lang="en-US" dirty="0"/>
-              <a:t> in Japan were reported to have developed a taste for human flesh, terrorizing an island </a:t>
+              <a:t>Ninja bears in Japan were reported to have developed a taste for human flesh, terrorizing an island </a:t>
             </a:r>
           </a:p>
           <a:p>
@@ -4078,8 +4010,8 @@
         </p:nvSpPr>
         <p:spPr>
           <a:xfrm>
-            <a:off x="754161" y="5759639"/>
-            <a:ext cx="9392251" cy="923330"/>
+            <a:off x="128519" y="5715298"/>
+            <a:ext cx="8553880" cy="923330"/>
           </a:xfrm>
           <a:prstGeom prst="rect">
             <a:avLst/>
@@ -4093,15 +4025,11 @@
           <a:lstStyle/>
           <a:p>
             <a:r>
-              <a:rPr lang="en-US" dirty="0"/>
+              <a:rPr lang="en-US" b="1" dirty="0"/>
               <a:t>BEAR DEATH FACT: </a:t>
             </a:r>
           </a:p>
           <a:p>
-            <a:r>
-              <a:rPr lang="en-US" dirty="0"/>
-              <a:t>In 2024, </a:t>
-            </a:r>
             <a:r>
               <a:rPr lang="en-US" b="1" dirty="0"/>
               <a:t>Grizzly No. 399</a:t>
@@ -4196,7 +4124,7 @@
         <p:spPr>
           <a:xfrm>
             <a:off x="838200" y="1825625"/>
-            <a:ext cx="3669632" cy="4351338"/>
+            <a:ext cx="5514474" cy="4351338"/>
           </a:xfrm>
         </p:spPr>
         <p:txBody>
@@ -4208,7 +4136,7 @@
             </a:pPr>
             <a:r>
               <a:rPr lang="en-US" dirty="0"/>
-              <a:t>Fabrizio Parrillo</a:t>
+              <a:t>Fabrizio Parrillo </a:t>
             </a:r>
           </a:p>
           <a:p>
@@ -4226,7 +4154,7 @@
             </a:pPr>
             <a:r>
               <a:rPr lang="en-US" dirty="0"/>
-              <a:t>Niluka Piyasinghe</a:t>
+              <a:t>Niluka Piyasinghe </a:t>
             </a:r>
           </a:p>
           <a:p>
@@ -4235,7 +4163,7 @@
             </a:pPr>
             <a:r>
               <a:rPr lang="en-US" dirty="0"/>
-              <a:t>Normand Overney</a:t>
+              <a:t>Normand Overney </a:t>
             </a:r>
           </a:p>
           <a:p>
@@ -4245,6 +4173,57 @@
             <a:r>
               <a:rPr lang="en-US" dirty="0"/>
               <a:t>Kevin Yar </a:t>
+            </a:r>
+          </a:p>
+        </p:txBody>
+      </p:sp>
+      <p:sp>
+        <p:nvSpPr>
+          <p:cNvPr id="4" name="TextBox 3">
+            <a:extLst>
+              <a:ext uri="{FF2B5EF4-FFF2-40B4-BE49-F238E27FC236}">
+                <a16:creationId xmlns:a16="http://schemas.microsoft.com/office/drawing/2014/main" id="{C402DF24-FFD1-FDDF-C08A-96DC61FE5806}"/>
+              </a:ext>
+            </a:extLst>
+          </p:cNvPr>
+          <p:cNvSpPr txBox="1"/>
+          <p:nvPr/>
+        </p:nvSpPr>
+        <p:spPr>
+          <a:xfrm>
+            <a:off x="128519" y="5715298"/>
+            <a:ext cx="10836364" cy="923330"/>
+          </a:xfrm>
+          <a:prstGeom prst="rect">
+            <a:avLst/>
+          </a:prstGeom>
+          <a:noFill/>
+        </p:spPr>
+        <p:txBody>
+          <a:bodyPr wrap="none" rtlCol="0">
+            <a:spAutoFit/>
+          </a:bodyPr>
+          <a:lstStyle/>
+          <a:p>
+            <a:r>
+              <a:rPr lang="en-US" b="1" dirty="0"/>
+              <a:t>BEAR DEATH FACT: </a:t>
+            </a:r>
+          </a:p>
+          <a:p>
+            <a:r>
+              <a:rPr lang="en-US" b="1" dirty="0"/>
+              <a:t>Hugh Glass</a:t>
+            </a:r>
+            <a:r>
+              <a:rPr lang="en-US" dirty="0"/>
+              <a:t>, a 19th-century fur trapper, survived a grizzly bear mauling and crawled over 200 miles to safety,</a:t>
+            </a:r>
+          </a:p>
+          <a:p>
+            <a:r>
+              <a:rPr lang="en-US" dirty="0"/>
+              <a:t> inspiring the film "The Revenant."</a:t>
             </a:r>
           </a:p>
         </p:txBody>

--- a/assets/presentation/ChatAVR.pptx
+++ b/assets/presentation/ChatAVR.pptx
@@ -4,6 +4,9 @@
   <p:sldMasterIdLst>
     <p:sldMasterId id="2147483660" r:id="rId1"/>
   </p:sldMasterIdLst>
+  <p:notesMasterIdLst>
+    <p:notesMasterId r:id="rId8"/>
+  </p:notesMasterIdLst>
   <p:sldIdLst>
     <p:sldId id="256" r:id="rId2"/>
     <p:sldId id="258" r:id="rId3"/>
@@ -115,6 +118,447 @@
     </p:ext>
   </p:extLst>
 </p:presentation>
+</file>
+
+<file path=ppt/notesMasters/notesMaster1.xml><?xml version="1.0" encoding="utf-8"?>
+<p:notesMaster xmlns:a="http://schemas.openxmlformats.org/drawingml/2006/main" xmlns:r="http://schemas.openxmlformats.org/officeDocument/2006/relationships" xmlns:p="http://schemas.openxmlformats.org/presentationml/2006/main">
+  <p:cSld>
+    <p:bg>
+      <p:bgRef idx="1001">
+        <a:schemeClr val="bg1"/>
+      </p:bgRef>
+    </p:bg>
+    <p:spTree>
+      <p:nvGrpSpPr>
+        <p:cNvPr id="1" name=""/>
+        <p:cNvGrpSpPr/>
+        <p:nvPr/>
+      </p:nvGrpSpPr>
+      <p:grpSpPr>
+        <a:xfrm>
+          <a:off x="0" y="0"/>
+          <a:ext cx="0" cy="0"/>
+          <a:chOff x="0" y="0"/>
+          <a:chExt cx="0" cy="0"/>
+        </a:xfrm>
+      </p:grpSpPr>
+      <p:sp>
+        <p:nvSpPr>
+          <p:cNvPr id="2" name="Header Placeholder 1"/>
+          <p:cNvSpPr>
+            <a:spLocks noGrp="1"/>
+          </p:cNvSpPr>
+          <p:nvPr>
+            <p:ph type="hdr" sz="quarter"/>
+          </p:nvPr>
+        </p:nvSpPr>
+        <p:spPr>
+          <a:xfrm>
+            <a:off x="0" y="0"/>
+            <a:ext cx="2971800" cy="458788"/>
+          </a:xfrm>
+          <a:prstGeom prst="rect">
+            <a:avLst/>
+          </a:prstGeom>
+        </p:spPr>
+        <p:txBody>
+          <a:bodyPr vert="horz" lIns="91440" tIns="45720" rIns="91440" bIns="45720" rtlCol="0"/>
+          <a:lstStyle>
+            <a:lvl1pPr algn="l">
+              <a:defRPr sz="1200"/>
+            </a:lvl1pPr>
+          </a:lstStyle>
+          <a:p>
+            <a:endParaRPr lang="en-US"/>
+          </a:p>
+        </p:txBody>
+      </p:sp>
+      <p:sp>
+        <p:nvSpPr>
+          <p:cNvPr id="3" name="Date Placeholder 2"/>
+          <p:cNvSpPr>
+            <a:spLocks noGrp="1"/>
+          </p:cNvSpPr>
+          <p:nvPr>
+            <p:ph type="dt" idx="1"/>
+          </p:nvPr>
+        </p:nvSpPr>
+        <p:spPr>
+          <a:xfrm>
+            <a:off x="3884613" y="0"/>
+            <a:ext cx="2971800" cy="458788"/>
+          </a:xfrm>
+          <a:prstGeom prst="rect">
+            <a:avLst/>
+          </a:prstGeom>
+        </p:spPr>
+        <p:txBody>
+          <a:bodyPr vert="horz" lIns="91440" tIns="45720" rIns="91440" bIns="45720" rtlCol="0"/>
+          <a:lstStyle>
+            <a:lvl1pPr algn="r">
+              <a:defRPr sz="1200"/>
+            </a:lvl1pPr>
+          </a:lstStyle>
+          <a:p>
+            <a:fld id="{052570DB-E0E0-4059-9A51-7467505E5CD0}" type="datetimeFigureOut">
+              <a:rPr lang="en-US" smtClean="0"/>
+              <a:t>11/2/2024</a:t>
+            </a:fld>
+            <a:endParaRPr lang="en-US"/>
+          </a:p>
+        </p:txBody>
+      </p:sp>
+      <p:sp>
+        <p:nvSpPr>
+          <p:cNvPr id="4" name="Slide Image Placeholder 3"/>
+          <p:cNvSpPr>
+            <a:spLocks noGrp="1" noRot="1" noChangeAspect="1"/>
+          </p:cNvSpPr>
+          <p:nvPr>
+            <p:ph type="sldImg" idx="2"/>
+          </p:nvPr>
+        </p:nvSpPr>
+        <p:spPr>
+          <a:xfrm>
+            <a:off x="685800" y="1143000"/>
+            <a:ext cx="5486400" cy="3086100"/>
+          </a:xfrm>
+          <a:prstGeom prst="rect">
+            <a:avLst/>
+          </a:prstGeom>
+          <a:noFill/>
+          <a:ln w="12700">
+            <a:solidFill>
+              <a:prstClr val="black"/>
+            </a:solidFill>
+          </a:ln>
+        </p:spPr>
+        <p:txBody>
+          <a:bodyPr vert="horz" lIns="91440" tIns="45720" rIns="91440" bIns="45720" rtlCol="0" anchor="ctr"/>
+          <a:lstStyle/>
+          <a:p>
+            <a:endParaRPr lang="en-US"/>
+          </a:p>
+        </p:txBody>
+      </p:sp>
+      <p:sp>
+        <p:nvSpPr>
+          <p:cNvPr id="5" name="Notes Placeholder 4"/>
+          <p:cNvSpPr>
+            <a:spLocks noGrp="1"/>
+          </p:cNvSpPr>
+          <p:nvPr>
+            <p:ph type="body" sz="quarter" idx="3"/>
+          </p:nvPr>
+        </p:nvSpPr>
+        <p:spPr>
+          <a:xfrm>
+            <a:off x="685800" y="4400550"/>
+            <a:ext cx="5486400" cy="3600450"/>
+          </a:xfrm>
+          <a:prstGeom prst="rect">
+            <a:avLst/>
+          </a:prstGeom>
+        </p:spPr>
+        <p:txBody>
+          <a:bodyPr vert="horz" lIns="91440" tIns="45720" rIns="91440" bIns="45720" rtlCol="0"/>
+          <a:lstStyle/>
+          <a:p>
+            <a:pPr lvl="0"/>
+            <a:r>
+              <a:rPr lang="en-US"/>
+              <a:t>Click to edit Master text styles</a:t>
+            </a:r>
+          </a:p>
+          <a:p>
+            <a:pPr lvl="1"/>
+            <a:r>
+              <a:rPr lang="en-US"/>
+              <a:t>Second level</a:t>
+            </a:r>
+          </a:p>
+          <a:p>
+            <a:pPr lvl="2"/>
+            <a:r>
+              <a:rPr lang="en-US"/>
+              <a:t>Third level</a:t>
+            </a:r>
+          </a:p>
+          <a:p>
+            <a:pPr lvl="3"/>
+            <a:r>
+              <a:rPr lang="en-US"/>
+              <a:t>Fourth level</a:t>
+            </a:r>
+          </a:p>
+          <a:p>
+            <a:pPr lvl="4"/>
+            <a:r>
+              <a:rPr lang="en-US"/>
+              <a:t>Fifth level</a:t>
+            </a:r>
+          </a:p>
+        </p:txBody>
+      </p:sp>
+      <p:sp>
+        <p:nvSpPr>
+          <p:cNvPr id="6" name="Footer Placeholder 5"/>
+          <p:cNvSpPr>
+            <a:spLocks noGrp="1"/>
+          </p:cNvSpPr>
+          <p:nvPr>
+            <p:ph type="ftr" sz="quarter" idx="4"/>
+          </p:nvPr>
+        </p:nvSpPr>
+        <p:spPr>
+          <a:xfrm>
+            <a:off x="0" y="8685213"/>
+            <a:ext cx="2971800" cy="458787"/>
+          </a:xfrm>
+          <a:prstGeom prst="rect">
+            <a:avLst/>
+          </a:prstGeom>
+        </p:spPr>
+        <p:txBody>
+          <a:bodyPr vert="horz" lIns="91440" tIns="45720" rIns="91440" bIns="45720" rtlCol="0" anchor="b"/>
+          <a:lstStyle>
+            <a:lvl1pPr algn="l">
+              <a:defRPr sz="1200"/>
+            </a:lvl1pPr>
+          </a:lstStyle>
+          <a:p>
+            <a:endParaRPr lang="en-US"/>
+          </a:p>
+        </p:txBody>
+      </p:sp>
+      <p:sp>
+        <p:nvSpPr>
+          <p:cNvPr id="7" name="Slide Number Placeholder 6"/>
+          <p:cNvSpPr>
+            <a:spLocks noGrp="1"/>
+          </p:cNvSpPr>
+          <p:nvPr>
+            <p:ph type="sldNum" sz="quarter" idx="5"/>
+          </p:nvPr>
+        </p:nvSpPr>
+        <p:spPr>
+          <a:xfrm>
+            <a:off x="3884613" y="8685213"/>
+            <a:ext cx="2971800" cy="458787"/>
+          </a:xfrm>
+          <a:prstGeom prst="rect">
+            <a:avLst/>
+          </a:prstGeom>
+        </p:spPr>
+        <p:txBody>
+          <a:bodyPr vert="horz" lIns="91440" tIns="45720" rIns="91440" bIns="45720" rtlCol="0" anchor="b"/>
+          <a:lstStyle>
+            <a:lvl1pPr algn="r">
+              <a:defRPr sz="1200"/>
+            </a:lvl1pPr>
+          </a:lstStyle>
+          <a:p>
+            <a:fld id="{C6F93746-E2DE-499C-A9E9-50FB5D3D77BA}" type="slidenum">
+              <a:rPr lang="en-US" smtClean="0"/>
+              <a:t>‹#›</a:t>
+            </a:fld>
+            <a:endParaRPr lang="en-US"/>
+          </a:p>
+        </p:txBody>
+      </p:sp>
+    </p:spTree>
+    <p:extLst>
+      <p:ext uri="{BB962C8B-B14F-4D97-AF65-F5344CB8AC3E}">
+        <p14:creationId xmlns:p14="http://schemas.microsoft.com/office/powerpoint/2010/main" val="936395176"/>
+      </p:ext>
+    </p:extLst>
+  </p:cSld>
+  <p:clrMap bg1="lt1" tx1="dk1" bg2="lt2" tx2="dk2" accent1="accent1" accent2="accent2" accent3="accent3" accent4="accent4" accent5="accent5" accent6="accent6" hlink="hlink" folHlink="folHlink"/>
+  <p:notesStyle>
+    <a:lvl1pPr marL="0" algn="l" defTabSz="914400" rtl="0" eaLnBrk="1" latinLnBrk="0" hangingPunct="1">
+      <a:defRPr sz="1200" kern="1200">
+        <a:solidFill>
+          <a:schemeClr val="tx1"/>
+        </a:solidFill>
+        <a:latin typeface="+mn-lt"/>
+        <a:ea typeface="+mn-ea"/>
+        <a:cs typeface="+mn-cs"/>
+      </a:defRPr>
+    </a:lvl1pPr>
+    <a:lvl2pPr marL="457200" algn="l" defTabSz="914400" rtl="0" eaLnBrk="1" latinLnBrk="0" hangingPunct="1">
+      <a:defRPr sz="1200" kern="1200">
+        <a:solidFill>
+          <a:schemeClr val="tx1"/>
+        </a:solidFill>
+        <a:latin typeface="+mn-lt"/>
+        <a:ea typeface="+mn-ea"/>
+        <a:cs typeface="+mn-cs"/>
+      </a:defRPr>
+    </a:lvl2pPr>
+    <a:lvl3pPr marL="914400" algn="l" defTabSz="914400" rtl="0" eaLnBrk="1" latinLnBrk="0" hangingPunct="1">
+      <a:defRPr sz="1200" kern="1200">
+        <a:solidFill>
+          <a:schemeClr val="tx1"/>
+        </a:solidFill>
+        <a:latin typeface="+mn-lt"/>
+        <a:ea typeface="+mn-ea"/>
+        <a:cs typeface="+mn-cs"/>
+      </a:defRPr>
+    </a:lvl3pPr>
+    <a:lvl4pPr marL="1371600" algn="l" defTabSz="914400" rtl="0" eaLnBrk="1" latinLnBrk="0" hangingPunct="1">
+      <a:defRPr sz="1200" kern="1200">
+        <a:solidFill>
+          <a:schemeClr val="tx1"/>
+        </a:solidFill>
+        <a:latin typeface="+mn-lt"/>
+        <a:ea typeface="+mn-ea"/>
+        <a:cs typeface="+mn-cs"/>
+      </a:defRPr>
+    </a:lvl4pPr>
+    <a:lvl5pPr marL="1828800" algn="l" defTabSz="914400" rtl="0" eaLnBrk="1" latinLnBrk="0" hangingPunct="1">
+      <a:defRPr sz="1200" kern="1200">
+        <a:solidFill>
+          <a:schemeClr val="tx1"/>
+        </a:solidFill>
+        <a:latin typeface="+mn-lt"/>
+        <a:ea typeface="+mn-ea"/>
+        <a:cs typeface="+mn-cs"/>
+      </a:defRPr>
+    </a:lvl5pPr>
+    <a:lvl6pPr marL="2286000" algn="l" defTabSz="914400" rtl="0" eaLnBrk="1" latinLnBrk="0" hangingPunct="1">
+      <a:defRPr sz="1200" kern="1200">
+        <a:solidFill>
+          <a:schemeClr val="tx1"/>
+        </a:solidFill>
+        <a:latin typeface="+mn-lt"/>
+        <a:ea typeface="+mn-ea"/>
+        <a:cs typeface="+mn-cs"/>
+      </a:defRPr>
+    </a:lvl6pPr>
+    <a:lvl7pPr marL="2743200" algn="l" defTabSz="914400" rtl="0" eaLnBrk="1" latinLnBrk="0" hangingPunct="1">
+      <a:defRPr sz="1200" kern="1200">
+        <a:solidFill>
+          <a:schemeClr val="tx1"/>
+        </a:solidFill>
+        <a:latin typeface="+mn-lt"/>
+        <a:ea typeface="+mn-ea"/>
+        <a:cs typeface="+mn-cs"/>
+      </a:defRPr>
+    </a:lvl7pPr>
+    <a:lvl8pPr marL="3200400" algn="l" defTabSz="914400" rtl="0" eaLnBrk="1" latinLnBrk="0" hangingPunct="1">
+      <a:defRPr sz="1200" kern="1200">
+        <a:solidFill>
+          <a:schemeClr val="tx1"/>
+        </a:solidFill>
+        <a:latin typeface="+mn-lt"/>
+        <a:ea typeface="+mn-ea"/>
+        <a:cs typeface="+mn-cs"/>
+      </a:defRPr>
+    </a:lvl8pPr>
+    <a:lvl9pPr marL="3657600" algn="l" defTabSz="914400" rtl="0" eaLnBrk="1" latinLnBrk="0" hangingPunct="1">
+      <a:defRPr sz="1200" kern="1200">
+        <a:solidFill>
+          <a:schemeClr val="tx1"/>
+        </a:solidFill>
+        <a:latin typeface="+mn-lt"/>
+        <a:ea typeface="+mn-ea"/>
+        <a:cs typeface="+mn-cs"/>
+      </a:defRPr>
+    </a:lvl9pPr>
+  </p:notesStyle>
+</p:notesMaster>
+</file>
+
+<file path=ppt/notesSlides/notesSlide1.xml><?xml version="1.0" encoding="utf-8"?>
+<p:notes xmlns:a="http://schemas.openxmlformats.org/drawingml/2006/main" xmlns:r="http://schemas.openxmlformats.org/officeDocument/2006/relationships" xmlns:p="http://schemas.openxmlformats.org/presentationml/2006/main">
+  <p:cSld>
+    <p:spTree>
+      <p:nvGrpSpPr>
+        <p:cNvPr id="1" name=""/>
+        <p:cNvGrpSpPr/>
+        <p:nvPr/>
+      </p:nvGrpSpPr>
+      <p:grpSpPr>
+        <a:xfrm>
+          <a:off x="0" y="0"/>
+          <a:ext cx="0" cy="0"/>
+          <a:chOff x="0" y="0"/>
+          <a:chExt cx="0" cy="0"/>
+        </a:xfrm>
+      </p:grpSpPr>
+      <p:sp>
+        <p:nvSpPr>
+          <p:cNvPr id="2" name="Slide Image Placeholder 1"/>
+          <p:cNvSpPr>
+            <a:spLocks noGrp="1" noRot="1" noChangeAspect="1"/>
+          </p:cNvSpPr>
+          <p:nvPr>
+            <p:ph type="sldImg"/>
+          </p:nvPr>
+        </p:nvSpPr>
+        <p:spPr/>
+      </p:sp>
+      <p:sp>
+        <p:nvSpPr>
+          <p:cNvPr id="3" name="Notes Placeholder 2"/>
+          <p:cNvSpPr>
+            <a:spLocks noGrp="1"/>
+          </p:cNvSpPr>
+          <p:nvPr>
+            <p:ph type="body" idx="1"/>
+          </p:nvPr>
+        </p:nvSpPr>
+        <p:spPr/>
+        <p:txBody>
+          <a:bodyPr/>
+          <a:lstStyle/>
+          <a:p>
+            <a:r>
+              <a:rPr lang="en-US" dirty="0"/>
+              <a:t>Why did we choose the </a:t>
+            </a:r>
+            <a:r>
+              <a:rPr lang="en-US"/>
+              <a:t>challenge?</a:t>
+            </a:r>
+            <a:endParaRPr lang="en-US" dirty="0"/>
+          </a:p>
+        </p:txBody>
+      </p:sp>
+      <p:sp>
+        <p:nvSpPr>
+          <p:cNvPr id="4" name="Slide Number Placeholder 3"/>
+          <p:cNvSpPr>
+            <a:spLocks noGrp="1"/>
+          </p:cNvSpPr>
+          <p:nvPr>
+            <p:ph type="sldNum" sz="quarter" idx="5"/>
+          </p:nvPr>
+        </p:nvSpPr>
+        <p:spPr/>
+        <p:txBody>
+          <a:bodyPr/>
+          <a:lstStyle/>
+          <a:p>
+            <a:fld id="{C6F93746-E2DE-499C-A9E9-50FB5D3D77BA}" type="slidenum">
+              <a:rPr lang="en-US" smtClean="0"/>
+              <a:t>2</a:t>
+            </a:fld>
+            <a:endParaRPr lang="en-US"/>
+          </a:p>
+        </p:txBody>
+      </p:sp>
+    </p:spTree>
+    <p:extLst>
+      <p:ext uri="{BB962C8B-B14F-4D97-AF65-F5344CB8AC3E}">
+        <p14:creationId xmlns:p14="http://schemas.microsoft.com/office/powerpoint/2010/main" val="12894959"/>
+      </p:ext>
+    </p:extLst>
+  </p:cSld>
+  <p:clrMapOvr>
+    <a:masterClrMapping/>
+  </p:clrMapOvr>
+</p:notes>
 </file>
 
 <file path=ppt/slideLayouts/slideLayout1.xml><?xml version="1.0" encoding="utf-8"?>
@@ -2994,7 +3438,12 @@
             <p:ph type="subTitle" idx="1"/>
           </p:nvPr>
         </p:nvSpPr>
-        <p:spPr/>
+        <p:spPr>
+          <a:xfrm>
+            <a:off x="1524000" y="3429000"/>
+            <a:ext cx="9144000" cy="1655762"/>
+          </a:xfrm>
+        </p:spPr>
         <p:txBody>
           <a:bodyPr/>
           <a:lstStyle/>
@@ -3022,7 +3471,12 @@
             <p:ph type="ctrTitle"/>
           </p:nvPr>
         </p:nvSpPr>
-        <p:spPr/>
+        <p:spPr>
+          <a:xfrm>
+            <a:off x="1524000" y="2136273"/>
+            <a:ext cx="9144000" cy="1119689"/>
+          </a:xfrm>
+        </p:spPr>
         <p:txBody>
           <a:bodyPr/>
           <a:lstStyle/>
@@ -3241,7 +3695,7 @@
             </a:pPr>
             <a:r>
               <a:rPr lang="en-US" sz="1000" dirty="0">
-                <a:hlinkClick r:id="rId2"/>
+                <a:hlinkClick r:id="rId3"/>
               </a:rPr>
               <a:t>https://lewisellis.com/industries/life-insurance-annuities/the-characteristics-of-people-who-buy-life-insurance/</a:t>
             </a:r>
@@ -3254,7 +3708,7 @@
             </a:pPr>
             <a:r>
               <a:rPr lang="en-US" sz="1000" dirty="0">
-                <a:hlinkClick r:id="rId3"/>
+                <a:hlinkClick r:id="rId4"/>
               </a:rPr>
               <a:t>https://en.comparis.ch/lebensversicherung/default</a:t>
             </a:r>
@@ -3267,7 +3721,7 @@
             </a:pPr>
             <a:r>
               <a:rPr lang="en-US" sz="1000" dirty="0">
-                <a:hlinkClick r:id="rId4"/>
+                <a:hlinkClick r:id="rId5"/>
               </a:rPr>
               <a:t>https://www.apa.org/news/podcasts/speaking-of-psychology/attention-spans</a:t>
             </a:r>
@@ -3302,7 +3756,7 @@
           <p:nvPr/>
         </p:nvPicPr>
         <p:blipFill>
-          <a:blip r:embed="rId5"/>
+          <a:blip r:embed="rId6"/>
           <a:stretch>
             <a:fillRect/>
           </a:stretch>
@@ -3828,7 +4282,7 @@
         <p:spPr>
           <a:xfrm>
             <a:off x="104456" y="5715298"/>
-            <a:ext cx="9914317" cy="923330"/>
+            <a:ext cx="9258432" cy="923330"/>
           </a:xfrm>
           <a:prstGeom prst="rect">
             <a:avLst/>
@@ -3849,13 +4303,13 @@
           <a:p>
             <a:r>
               <a:rPr lang="en-US" dirty="0"/>
-              <a:t>Ninja bears in Japan were reported to have developed a taste for human flesh, terrorizing an island </a:t>
+              <a:t>The "Ninja Bear," officially designated as "OSO18," was notorious in Japan's Hokkaido region </a:t>
             </a:r>
           </a:p>
           <a:p>
             <a:r>
               <a:rPr lang="en-US" dirty="0"/>
-              <a:t>and allegedly storing body parts after attacks.</a:t>
+              <a:t>for attacking dozens of cows and evading capture for years</a:t>
             </a:r>
           </a:p>
         </p:txBody>
@@ -4554,4 +5008,319 @@
     </a:ext>
   </a:extLst>
 </a:theme>
+</file>
+
+<file path=ppt/theme/theme2.xml><?xml version="1.0" encoding="utf-8"?>
+<a:theme xmlns:a="http://schemas.openxmlformats.org/drawingml/2006/main" name="Office Theme">
+  <a:themeElements>
+    <a:clrScheme name="Office">
+      <a:dk1>
+        <a:sysClr val="windowText" lastClr="000000"/>
+      </a:dk1>
+      <a:lt1>
+        <a:sysClr val="window" lastClr="FFFFFF"/>
+      </a:lt1>
+      <a:dk2>
+        <a:srgbClr val="0E2841"/>
+      </a:dk2>
+      <a:lt2>
+        <a:srgbClr val="E8E8E8"/>
+      </a:lt2>
+      <a:accent1>
+        <a:srgbClr val="156082"/>
+      </a:accent1>
+      <a:accent2>
+        <a:srgbClr val="E97132"/>
+      </a:accent2>
+      <a:accent3>
+        <a:srgbClr val="196B24"/>
+      </a:accent3>
+      <a:accent4>
+        <a:srgbClr val="0F9ED5"/>
+      </a:accent4>
+      <a:accent5>
+        <a:srgbClr val="A02B93"/>
+      </a:accent5>
+      <a:accent6>
+        <a:srgbClr val="4EA72E"/>
+      </a:accent6>
+      <a:hlink>
+        <a:srgbClr val="467886"/>
+      </a:hlink>
+      <a:folHlink>
+        <a:srgbClr val="96607D"/>
+      </a:folHlink>
+    </a:clrScheme>
+    <a:fontScheme name="Office">
+      <a:majorFont>
+        <a:latin typeface="Aptos Display" panose="02110004020202020204"/>
+        <a:ea typeface=""/>
+        <a:cs typeface=""/>
+        <a:font script="Jpan" typeface="游ゴシック Light"/>
+        <a:font script="Hang" typeface="맑은 고딕"/>
+        <a:font script="Hans" typeface="等线 Light"/>
+        <a:font script="Hant" typeface="新細明體"/>
+        <a:font script="Arab" typeface="Times New Roman"/>
+        <a:font script="Hebr" typeface="Times New Roman"/>
+        <a:font script="Thai" typeface="Angsana New"/>
+        <a:font script="Ethi" typeface="Nyala"/>
+        <a:font script="Beng" typeface="Vrinda"/>
+        <a:font script="Gujr" typeface="Shruti"/>
+        <a:font script="Khmr" typeface="MoolBoran"/>
+        <a:font script="Knda" typeface="Tunga"/>
+        <a:font script="Guru" typeface="Raavi"/>
+        <a:font script="Cans" typeface="Euphemia"/>
+        <a:font script="Cher" typeface="Plantagenet Cherokee"/>
+        <a:font script="Yiii" typeface="Microsoft Yi Baiti"/>
+        <a:font script="Tibt" typeface="Microsoft Himalaya"/>
+        <a:font script="Thaa" typeface="MV Boli"/>
+        <a:font script="Deva" typeface="Mangal"/>
+        <a:font script="Telu" typeface="Gautami"/>
+        <a:font script="Taml" typeface="Latha"/>
+        <a:font script="Syrc" typeface="Estrangelo Edessa"/>
+        <a:font script="Orya" typeface="Kalinga"/>
+        <a:font script="Mlym" typeface="Kartika"/>
+        <a:font script="Laoo" typeface="DokChampa"/>
+        <a:font script="Sinh" typeface="Iskoola Pota"/>
+        <a:font script="Mong" typeface="Mongolian Baiti"/>
+        <a:font script="Viet" typeface="Times New Roman"/>
+        <a:font script="Uigh" typeface="Microsoft Uighur"/>
+        <a:font script="Geor" typeface="Sylfaen"/>
+        <a:font script="Armn" typeface="Arial"/>
+        <a:font script="Bugi" typeface="Leelawadee UI"/>
+        <a:font script="Bopo" typeface="Microsoft JhengHei"/>
+        <a:font script="Java" typeface="Javanese Text"/>
+        <a:font script="Lisu" typeface="Segoe UI"/>
+        <a:font script="Mymr" typeface="Myanmar Text"/>
+        <a:font script="Nkoo" typeface="Ebrima"/>
+        <a:font script="Olck" typeface="Nirmala UI"/>
+        <a:font script="Osma" typeface="Ebrima"/>
+        <a:font script="Phag" typeface="Phagspa"/>
+        <a:font script="Syrn" typeface="Estrangelo Edessa"/>
+        <a:font script="Syrj" typeface="Estrangelo Edessa"/>
+        <a:font script="Syre" typeface="Estrangelo Edessa"/>
+        <a:font script="Sora" typeface="Nirmala UI"/>
+        <a:font script="Tale" typeface="Microsoft Tai Le"/>
+        <a:font script="Talu" typeface="Microsoft New Tai Lue"/>
+        <a:font script="Tfng" typeface="Ebrima"/>
+      </a:majorFont>
+      <a:minorFont>
+        <a:latin typeface="Aptos" panose="02110004020202020204"/>
+        <a:ea typeface=""/>
+        <a:cs typeface=""/>
+        <a:font script="Jpan" typeface="游ゴシック"/>
+        <a:font script="Hang" typeface="맑은 고딕"/>
+        <a:font script="Hans" typeface="等线"/>
+        <a:font script="Hant" typeface="新細明體"/>
+        <a:font script="Arab" typeface="Arial"/>
+        <a:font script="Hebr" typeface="Arial"/>
+        <a:font script="Thai" typeface="Cordia New"/>
+        <a:font script="Ethi" typeface="Nyala"/>
+        <a:font script="Beng" typeface="Vrinda"/>
+        <a:font script="Gujr" typeface="Shruti"/>
+        <a:font script="Khmr" typeface="DaunPenh"/>
+        <a:font script="Knda" typeface="Tunga"/>
+        <a:font script="Guru" typeface="Raavi"/>
+        <a:font script="Cans" typeface="Euphemia"/>
+        <a:font script="Cher" typeface="Plantagenet Cherokee"/>
+        <a:font script="Yiii" typeface="Microsoft Yi Baiti"/>
+        <a:font script="Tibt" typeface="Microsoft Himalaya"/>
+        <a:font script="Thaa" typeface="MV Boli"/>
+        <a:font script="Deva" typeface="Mangal"/>
+        <a:font script="Telu" typeface="Gautami"/>
+        <a:font script="Taml" typeface="Latha"/>
+        <a:font script="Syrc" typeface="Estrangelo Edessa"/>
+        <a:font script="Orya" typeface="Kalinga"/>
+        <a:font script="Mlym" typeface="Kartika"/>
+        <a:font script="Laoo" typeface="DokChampa"/>
+        <a:font script="Sinh" typeface="Iskoola Pota"/>
+        <a:font script="Mong" typeface="Mongolian Baiti"/>
+        <a:font script="Viet" typeface="Arial"/>
+        <a:font script="Uigh" typeface="Microsoft Uighur"/>
+        <a:font script="Geor" typeface="Sylfaen"/>
+        <a:font script="Armn" typeface="Arial"/>
+        <a:font script="Bugi" typeface="Leelawadee UI"/>
+        <a:font script="Bopo" typeface="Microsoft JhengHei"/>
+        <a:font script="Java" typeface="Javanese Text"/>
+        <a:font script="Lisu" typeface="Segoe UI"/>
+        <a:font script="Mymr" typeface="Myanmar Text"/>
+        <a:font script="Nkoo" typeface="Ebrima"/>
+        <a:font script="Olck" typeface="Nirmala UI"/>
+        <a:font script="Osma" typeface="Ebrima"/>
+        <a:font script="Phag" typeface="Phagspa"/>
+        <a:font script="Syrn" typeface="Estrangelo Edessa"/>
+        <a:font script="Syrj" typeface="Estrangelo Edessa"/>
+        <a:font script="Syre" typeface="Estrangelo Edessa"/>
+        <a:font script="Sora" typeface="Nirmala UI"/>
+        <a:font script="Tale" typeface="Microsoft Tai Le"/>
+        <a:font script="Talu" typeface="Microsoft New Tai Lue"/>
+        <a:font script="Tfng" typeface="Ebrima"/>
+      </a:minorFont>
+    </a:fontScheme>
+    <a:fmtScheme name="Office">
+      <a:fillStyleLst>
+        <a:solidFill>
+          <a:schemeClr val="phClr"/>
+        </a:solidFill>
+        <a:gradFill rotWithShape="1">
+          <a:gsLst>
+            <a:gs pos="0">
+              <a:schemeClr val="phClr">
+                <a:lumMod val="110000"/>
+                <a:satMod val="105000"/>
+                <a:tint val="67000"/>
+              </a:schemeClr>
+            </a:gs>
+            <a:gs pos="50000">
+              <a:schemeClr val="phClr">
+                <a:lumMod val="105000"/>
+                <a:satMod val="103000"/>
+                <a:tint val="73000"/>
+              </a:schemeClr>
+            </a:gs>
+            <a:gs pos="100000">
+              <a:schemeClr val="phClr">
+                <a:lumMod val="105000"/>
+                <a:satMod val="109000"/>
+                <a:tint val="81000"/>
+              </a:schemeClr>
+            </a:gs>
+          </a:gsLst>
+          <a:lin ang="5400000" scaled="0"/>
+        </a:gradFill>
+        <a:gradFill rotWithShape="1">
+          <a:gsLst>
+            <a:gs pos="0">
+              <a:schemeClr val="phClr">
+                <a:satMod val="103000"/>
+                <a:lumMod val="102000"/>
+                <a:tint val="94000"/>
+              </a:schemeClr>
+            </a:gs>
+            <a:gs pos="50000">
+              <a:schemeClr val="phClr">
+                <a:satMod val="110000"/>
+                <a:lumMod val="100000"/>
+                <a:shade val="100000"/>
+              </a:schemeClr>
+            </a:gs>
+            <a:gs pos="100000">
+              <a:schemeClr val="phClr">
+                <a:lumMod val="99000"/>
+                <a:satMod val="120000"/>
+                <a:shade val="78000"/>
+              </a:schemeClr>
+            </a:gs>
+          </a:gsLst>
+          <a:lin ang="5400000" scaled="0"/>
+        </a:gradFill>
+      </a:fillStyleLst>
+      <a:lnStyleLst>
+        <a:ln w="12700" cap="flat" cmpd="sng" algn="ctr">
+          <a:solidFill>
+            <a:schemeClr val="phClr"/>
+          </a:solidFill>
+          <a:prstDash val="solid"/>
+          <a:miter lim="800000"/>
+        </a:ln>
+        <a:ln w="19050" cap="flat" cmpd="sng" algn="ctr">
+          <a:solidFill>
+            <a:schemeClr val="phClr"/>
+          </a:solidFill>
+          <a:prstDash val="solid"/>
+          <a:miter lim="800000"/>
+        </a:ln>
+        <a:ln w="25400" cap="flat" cmpd="sng" algn="ctr">
+          <a:solidFill>
+            <a:schemeClr val="phClr"/>
+          </a:solidFill>
+          <a:prstDash val="solid"/>
+          <a:miter lim="800000"/>
+        </a:ln>
+      </a:lnStyleLst>
+      <a:effectStyleLst>
+        <a:effectStyle>
+          <a:effectLst/>
+        </a:effectStyle>
+        <a:effectStyle>
+          <a:effectLst/>
+        </a:effectStyle>
+        <a:effectStyle>
+          <a:effectLst>
+            <a:outerShdw blurRad="57150" dist="19050" dir="5400000" algn="ctr" rotWithShape="0">
+              <a:srgbClr val="000000">
+                <a:alpha val="63000"/>
+              </a:srgbClr>
+            </a:outerShdw>
+          </a:effectLst>
+        </a:effectStyle>
+      </a:effectStyleLst>
+      <a:bgFillStyleLst>
+        <a:solidFill>
+          <a:schemeClr val="phClr"/>
+        </a:solidFill>
+        <a:solidFill>
+          <a:schemeClr val="phClr">
+            <a:tint val="95000"/>
+            <a:satMod val="170000"/>
+          </a:schemeClr>
+        </a:solidFill>
+        <a:gradFill rotWithShape="1">
+          <a:gsLst>
+            <a:gs pos="0">
+              <a:schemeClr val="phClr">
+                <a:tint val="93000"/>
+                <a:satMod val="150000"/>
+                <a:shade val="98000"/>
+                <a:lumMod val="102000"/>
+              </a:schemeClr>
+            </a:gs>
+            <a:gs pos="50000">
+              <a:schemeClr val="phClr">
+                <a:tint val="98000"/>
+                <a:satMod val="130000"/>
+                <a:shade val="90000"/>
+                <a:lumMod val="103000"/>
+              </a:schemeClr>
+            </a:gs>
+            <a:gs pos="100000">
+              <a:schemeClr val="phClr">
+                <a:shade val="63000"/>
+                <a:satMod val="120000"/>
+              </a:schemeClr>
+            </a:gs>
+          </a:gsLst>
+          <a:lin ang="5400000" scaled="0"/>
+        </a:gradFill>
+      </a:bgFillStyleLst>
+    </a:fmtScheme>
+  </a:themeElements>
+  <a:objectDefaults>
+    <a:lnDef>
+      <a:spPr/>
+      <a:bodyPr/>
+      <a:lstStyle/>
+      <a:style>
+        <a:lnRef idx="2">
+          <a:schemeClr val="accent1"/>
+        </a:lnRef>
+        <a:fillRef idx="0">
+          <a:schemeClr val="accent1"/>
+        </a:fillRef>
+        <a:effectRef idx="1">
+          <a:schemeClr val="accent1"/>
+        </a:effectRef>
+        <a:fontRef idx="minor">
+          <a:schemeClr val="tx1"/>
+        </a:fontRef>
+      </a:style>
+    </a:lnDef>
+  </a:objectDefaults>
+  <a:extraClrSchemeLst/>
+  <a:extLst>
+    <a:ext uri="{05A4C25C-085E-4340-85A3-A5531E510DB2}">
+      <thm15:themeFamily xmlns:thm15="http://schemas.microsoft.com/office/thememl/2012/main" name="Office Theme" id="{2E142A2C-CD16-42D6-873A-C26D2A0506FA}" vid="{1BDDFF52-6CD6-40A5-AB3C-68EB2F1E4D0A}"/>
+    </a:ext>
+  </a:extLst>
+</a:theme>
 </file>
--- a/assets/presentation/ChatAVR.pptx
+++ b/assets/presentation/ChatAVR.pptx
@@ -515,13 +515,8 @@
           <a:p>
             <a:r>
               <a:rPr lang="en-US" dirty="0"/>
-              <a:t>Why did we choose the </a:t>
-            </a:r>
-            <a:r>
-              <a:rPr lang="en-US"/>
-              <a:t>challenge?</a:t>
-            </a:r>
-            <a:endParaRPr lang="en-US" dirty="0"/>
+              <a:t>Why did we choose the challenge?</a:t>
+            </a:r>
           </a:p>
         </p:txBody>
       </p:sp>
@@ -3483,7 +3478,7 @@
           <a:p>
             <a:r>
               <a:rPr lang="en-US" dirty="0"/>
-              <a:t>ChatAVR</a:t>
+              <a:t>NAVBÄR</a:t>
             </a:r>
           </a:p>
         </p:txBody>
@@ -4189,45 +4184,43 @@
           <a:p>
             <a:r>
               <a:rPr lang="en-US" dirty="0"/>
-              <a:t>What are we offering?</a:t>
+              <a:t>What are we offering from PAX?</a:t>
             </a:r>
           </a:p>
           <a:p>
             <a:pPr lvl="1"/>
             <a:r>
               <a:rPr lang="en-US" dirty="0"/>
-              <a:t>PAX disability insurance</a:t>
+              <a:t>disability insurance</a:t>
             </a:r>
           </a:p>
           <a:p>
             <a:pPr lvl="1"/>
             <a:r>
               <a:rPr lang="en-US" dirty="0"/>
-              <a:t>PAX life insurance</a:t>
+              <a:t>life insurance</a:t>
             </a:r>
           </a:p>
           <a:p>
             <a:pPr lvl="1"/>
             <a:r>
               <a:rPr lang="en-US" dirty="0"/>
-              <a:t>PAX savings life insurance</a:t>
-            </a:r>
-          </a:p>
-          <a:p>
+              <a:t>savings life insurance</a:t>
+            </a:r>
+          </a:p>
+          <a:p>
+            <a:pPr lvl="1"/>
             <a:r>
               <a:rPr lang="en-US" dirty="0"/>
-              <a:t>TRY IT OUT NOW </a:t>
-            </a:r>
-            <a:r>
-              <a:rPr lang="en-US" dirty="0">
-                <a:sym typeface="Wingdings" panose="05000000000000000000" pitchFamily="2" charset="2"/>
-              </a:rPr>
-              <a:t></a:t>
-            </a:r>
-            <a:endParaRPr lang="en-US" dirty="0"/>
-          </a:p>
-          <a:p>
-            <a:endParaRPr lang="en-US" dirty="0"/>
+              <a:t>children's insurance</a:t>
+            </a:r>
+          </a:p>
+          <a:p>
+            <a:pPr lvl="1"/>
+            <a:r>
+              <a:rPr lang="en-US" dirty="0"/>
+              <a:t>payout plan</a:t>
+            </a:r>
           </a:p>
         </p:txBody>
       </p:sp>
@@ -4314,6 +4307,52 @@
           </a:p>
         </p:txBody>
       </p:sp>
+      <p:sp>
+        <p:nvSpPr>
+          <p:cNvPr id="5" name="TextBox 4">
+            <a:extLst>
+              <a:ext uri="{FF2B5EF4-FFF2-40B4-BE49-F238E27FC236}">
+                <a16:creationId xmlns:a16="http://schemas.microsoft.com/office/drawing/2014/main" id="{6EE7E7D7-931C-C0C2-3117-AB9F8A34ADA9}"/>
+              </a:ext>
+            </a:extLst>
+          </p:cNvPr>
+          <p:cNvSpPr txBox="1"/>
+          <p:nvPr/>
+        </p:nvSpPr>
+        <p:spPr>
+          <a:xfrm>
+            <a:off x="7371347" y="1388825"/>
+            <a:ext cx="6096000" cy="369332"/>
+          </a:xfrm>
+          <a:prstGeom prst="rect">
+            <a:avLst/>
+          </a:prstGeom>
+          <a:noFill/>
+        </p:spPr>
+        <p:txBody>
+          <a:bodyPr wrap="square">
+            <a:spAutoFit/>
+          </a:bodyPr>
+          <a:lstStyle/>
+          <a:p>
+            <a:r>
+              <a:rPr lang="en-US" dirty="0"/>
+              <a:t>Chat with </a:t>
+            </a:r>
+            <a:r>
+              <a:rPr lang="en-US"/>
+              <a:t>NAVBÄR now </a:t>
+            </a:r>
+            <a:r>
+              <a:rPr lang="en-US" dirty="0">
+                <a:sym typeface="Wingdings" panose="05000000000000000000" pitchFamily="2" charset="2"/>
+              </a:rPr>
+              <a:t></a:t>
+            </a:r>
+            <a:endParaRPr lang="en-US" dirty="0"/>
+          </a:p>
+        </p:txBody>
+      </p:sp>
     </p:spTree>
     <p:extLst>
       <p:ext uri="{BB962C8B-B14F-4D97-AF65-F5344CB8AC3E}">
@@ -4406,7 +4445,28 @@
           <a:p>
             <a:r>
               <a:rPr lang="en-US" dirty="0"/>
-              <a:t>Indexed webpage and documentation to provide detailed responses to questions </a:t>
+              <a:t>Indexed webpage and documentation to provide detailed responses to questions</a:t>
+            </a:r>
+          </a:p>
+          <a:p>
+            <a:pPr lvl="1"/>
+            <a:r>
+              <a:rPr lang="en-US" dirty="0"/>
+              <a:t>Microsoft AI search</a:t>
+            </a:r>
+          </a:p>
+          <a:p>
+            <a:pPr lvl="1"/>
+            <a:r>
+              <a:rPr lang="en-US" dirty="0"/>
+              <a:t>ChatGPT 4o</a:t>
+            </a:r>
+          </a:p>
+          <a:p>
+            <a:pPr lvl="1"/>
+            <a:r>
+              <a:rPr lang="en-US" dirty="0"/>
+              <a:t>RAG</a:t>
             </a:r>
           </a:p>
           <a:p>
